--- a/slides.pptx
+++ b/slides.pptx
@@ -3251,47 +3251,32 @@
               <a:rPr>
                 <a:hlinkClick r:id="rId2" action="ppaction://hlinksldjump"/>
               </a:rPr>
-              <a:t>Introduction</a:t>
-            </a:r>
-          </a:p>
-          <a:p>
-            <a:pPr lvl="1"/>
+              <a:t>Bus Accessibility Metrics</a:t>
+            </a:r>
+          </a:p>
+          <a:p>
+            <a:pPr lvl="0"/>
             <a:r>
               <a:rPr>
                 <a:hlinkClick r:id="rId3" action="ppaction://hlinksldjump"/>
               </a:rPr>
-              <a:t>Bus Accessibility Metrics</a:t>
-            </a:r>
-          </a:p>
-          <a:p>
-            <a:pPr lvl="1"/>
+              <a:t>Strathclyde Partnership for Transport Area</a:t>
+            </a:r>
+          </a:p>
+          <a:p>
+            <a:pPr lvl="0"/>
+          </a:p>
+          <a:p>
+            <a:pPr lvl="0"/>
             <a:r>
               <a:rPr>
                 <a:hlinkClick r:id="rId4" action="ppaction://hlinksldjump"/>
               </a:rPr>
-              <a:t>Strathclyde Partnership for Transport Area</a:t>
-            </a:r>
-          </a:p>
-          <a:p>
-            <a:pPr lvl="2"/>
-            <a:r>
-              <a:rPr>
-                <a:hlinkClick r:id="rId5" action="ppaction://hlinksldjump"/>
-              </a:rPr>
-              <a:t>Majority of West of Scotland</a:t>
+              <a:t>Glasgow City Council Area</a:t>
             </a:r>
           </a:p>
           <a:p>
             <a:pPr lvl="1"/>
-            <a:r>
-              <a:rPr>
-                <a:hlinkClick r:id="rId6" action="ppaction://hlinksldjump"/>
-              </a:rPr>
-              <a:t>Glasgow City Council Area</a:t>
-            </a:r>
-          </a:p>
-          <a:p>
-            <a:pPr lvl="2"/>
           </a:p>
         </p:txBody>
       </p:sp>
@@ -3327,12 +3312,7 @@
             <p:ph type="title"/>
           </p:nvPr>
         </p:nvSpPr>
-        <p:spPr>
-          <a:xfrm>
-            <a:off x="722313" y="3305176"/>
-            <a:ext cx="7772400" cy="1021556"/>
-          </a:xfrm>
-        </p:spPr>
+        <p:spPr/>
         <p:txBody>
           <a:bodyPr/>
           <a:lstStyle/>
@@ -3342,7 +3322,51 @@
             </a:pPr>
             <a:r>
               <a:rPr/>
-              <a:t>Introduction</a:t>
+              <a:t>Bus Accessibility Metrics</a:t>
+            </a:r>
+          </a:p>
+        </p:txBody>
+      </p:sp>
+      <p:sp>
+        <p:nvSpPr>
+          <p:cNvPr id="3" name="Content Placeholder 2"/>
+          <p:cNvSpPr>
+            <a:spLocks noGrp="1"/>
+          </p:cNvSpPr>
+          <p:nvPr>
+            <p:ph idx="1"/>
+          </p:nvPr>
+        </p:nvSpPr>
+        <p:spPr/>
+        <p:txBody>
+          <a:bodyPr/>
+          <a:lstStyle/>
+          <a:p>
+            <a:pPr lvl="0"/>
+            <a:r>
+              <a:rPr/>
+              <a:t>Published by Transport Scotland in 2017 and 2019 by datazone</a:t>
+            </a:r>
+          </a:p>
+          <a:p>
+            <a:pPr lvl="0"/>
+            <a:r>
+              <a:rPr/>
+              <a:t>Derived from numbers of buses per hour serving the datazone, ajusted to emphasise peak periods</a:t>
+            </a:r>
+          </a:p>
+          <a:p>
+            <a:pPr lvl="0"/>
+            <a:r>
+              <a:rPr/>
+              <a:t>No update in 2021 due to COVID-19 pandemic and no updates currently foreseen</a:t>
+            </a:r>
+          </a:p>
+          <a:p>
+            <a:pPr lvl="0"/>
+            <a:r>
+              <a:rPr/>
+              <a:t>Plotting Change between 2017 and 2019, it is clear why they have stopped publishing the data!</a:t>
             </a:r>
           </a:p>
         </p:txBody>
@@ -3389,53 +3413,7 @@
             </a:pPr>
             <a:r>
               <a:rPr/>
-              <a:t>Bus Accessibility Metrics</a:t>
-            </a:r>
-          </a:p>
-        </p:txBody>
-      </p:sp>
-      <p:sp>
-        <p:nvSpPr>
-          <p:cNvPr id="3" name="Content Placeholder 2"/>
-          <p:cNvSpPr>
-            <a:spLocks noGrp="1"/>
-          </p:cNvSpPr>
-          <p:nvPr>
-            <p:ph idx="1"/>
-          </p:nvPr>
-        </p:nvSpPr>
-        <p:spPr/>
-        <p:txBody>
-          <a:bodyPr/>
-          <a:lstStyle/>
-          <a:p>
-            <a:pPr lvl="0"/>
-            <a:r>
-              <a:rPr/>
-              <a:t>Published by Transport Scotland in 2017 and 2019 by datazone</a:t>
-            </a:r>
-          </a:p>
-          <a:p>
-            <a:pPr lvl="0"/>
-            <a:r>
-              <a:rPr/>
-              <a:t>Derived from numbers of buses per hour serving the datazone, ajusted for emphasise peak periods</a:t>
-            </a:r>
-          </a:p>
-          <a:p>
-            <a:pPr lvl="0"/>
-            <a:r>
-              <a:rPr/>
-              <a:t>No update in 2021 due to COVID-19, no update since despite requests</a:t>
-            </a:r>
-          </a:p>
-          <a:p>
-            <a:pPr lvl="0" indent="0" marL="0">
-              <a:buNone/>
-            </a:pPr>
-            <a:r>
-              <a:rPr/>
-              <a:t>Plotting Change between 2017 and 2019, it is clear why they have stopped publishing the data!</a:t>
+              <a:t>Strathclyde Partnership for Transport Area</a:t>
             </a:r>
           </a:p>
         </p:txBody>
@@ -3462,64 +3440,6 @@
           <a:chExt cx="0" cy="0"/>
         </a:xfrm>
       </p:grpSpPr>
-      <p:sp>
-        <p:nvSpPr>
-          <p:cNvPr id="2" name="Title 1"/>
-          <p:cNvSpPr>
-            <a:spLocks noGrp="1"/>
-          </p:cNvSpPr>
-          <p:nvPr>
-            <p:ph type="title"/>
-          </p:nvPr>
-        </p:nvSpPr>
-        <p:spPr>
-          <a:xfrm>
-            <a:off x="457201" y="204787"/>
-            <a:ext cx="3008313" cy="871538"/>
-          </a:xfrm>
-        </p:spPr>
-        <p:txBody>
-          <a:bodyPr/>
-          <a:lstStyle/>
-          <a:p>
-            <a:pPr lvl="0" indent="0" marL="0">
-              <a:buNone/>
-            </a:pPr>
-            <a:r>
-              <a:rPr/>
-              <a:t>Strathclyde Partnership for Transport Area</a:t>
-            </a:r>
-          </a:p>
-        </p:txBody>
-      </p:sp>
-      <p:sp>
-        <p:nvSpPr>
-          <p:cNvPr id="4" name="Text Placeholder 3"/>
-          <p:cNvSpPr>
-            <a:spLocks noGrp="1"/>
-          </p:cNvSpPr>
-          <p:nvPr>
-            <p:ph idx="2" sz="half" type="body"/>
-          </p:nvPr>
-        </p:nvSpPr>
-        <p:spPr/>
-        <p:txBody>
-          <a:bodyPr/>
-          <a:lstStyle/>
-          <a:p>
-            <a:pPr lvl="0" indent="0" marL="0">
-              <a:spcBef>
-                <a:spcPts val="3000"/>
-              </a:spcBef>
-              <a:buNone/>
-            </a:pPr>
-            <a:r>
-              <a:rPr b="1"/>
-              <a:t>Majority of West of Scotland</a:t>
-            </a:r>
-          </a:p>
-        </p:txBody>
-      </p:sp>
       <p:pic>
         <p:nvPicPr>
           <p:cNvPr descr="Bus_Access_SPT.jpeg" id="0" name="Picture 1"/>
@@ -3536,8 +3456,8 @@
         </p:blipFill>
         <p:spPr bwMode="auto">
           <a:xfrm>
-            <a:off x="3568700" y="685800"/>
-            <a:ext cx="5105400" cy="3403600"/>
+            <a:off x="2032000" y="1193800"/>
+            <a:ext cx="5080000" cy="3390900"/>
           </a:xfrm>
           <a:prstGeom prst="rect">
             <a:avLst/>

--- a/slides.pptx
+++ b/slides.pptx
@@ -12,7 +12,6 @@
     <p:sldId id="260" r:id="rId6"/>
     <p:sldId id="261" r:id="rId7"/>
     <p:sldId id="262" r:id="rId8"/>
-    <p:sldId id="263" r:id="rId9"/>
   </p:sldIdLst>
   <p:sldSz cx="9144000" cy="5143500" type="screen16x9"/>
   <p:notesSz cx="6858000" cy="9144000"/>
@@ -3226,7 +3225,7 @@
             </a:pPr>
             <a:r>
               <a:rPr/>
-              <a:t>Table of contents</a:t>
+              <a:t>Bus Accessibility Metrics</a:t>
             </a:r>
           </a:p>
         </p:txBody>
@@ -3248,35 +3247,30 @@
           <a:p>
             <a:pPr lvl="0"/>
             <a:r>
-              <a:rPr>
-                <a:hlinkClick r:id="rId2" action="ppaction://hlinksldjump"/>
-              </a:rPr>
-              <a:t>Bus Accessibility Metrics</a:t>
+              <a:rPr/>
+              <a:t>Published by Transport Scotland in 2017 and 2019 by datazone</a:t>
             </a:r>
           </a:p>
           <a:p>
             <a:pPr lvl="0"/>
             <a:r>
-              <a:rPr>
-                <a:hlinkClick r:id="rId3" action="ppaction://hlinksldjump"/>
-              </a:rPr>
-              <a:t>Strathclyde Partnership for Transport Area</a:t>
+              <a:rPr/>
+              <a:t>Derived from numbers of buses per hour serving the datazone, ajusted to emphasise peak periods</a:t>
             </a:r>
           </a:p>
           <a:p>
             <a:pPr lvl="0"/>
+            <a:r>
+              <a:rPr/>
+              <a:t>No update in 2021 due to COVID-19 pandemic and no updates currently foreseen</a:t>
+            </a:r>
           </a:p>
           <a:p>
             <a:pPr lvl="0"/>
             <a:r>
-              <a:rPr>
-                <a:hlinkClick r:id="rId4" action="ppaction://hlinksldjump"/>
-              </a:rPr>
-              <a:t>Glasgow City Council Area</a:t>
-            </a:r>
-          </a:p>
-          <a:p>
-            <a:pPr lvl="1"/>
+              <a:rPr/>
+              <a:t>Plotting Change between 2017 and 2019, it is clear why they have stopped publishing the data!</a:t>
+            </a:r>
           </a:p>
         </p:txBody>
       </p:sp>
@@ -3322,51 +3316,7 @@
             </a:pPr>
             <a:r>
               <a:rPr/>
-              <a:t>Bus Accessibility Metrics</a:t>
-            </a:r>
-          </a:p>
-        </p:txBody>
-      </p:sp>
-      <p:sp>
-        <p:nvSpPr>
-          <p:cNvPr id="3" name="Content Placeholder 2"/>
-          <p:cNvSpPr>
-            <a:spLocks noGrp="1"/>
-          </p:cNvSpPr>
-          <p:nvPr>
-            <p:ph idx="1"/>
-          </p:nvPr>
-        </p:nvSpPr>
-        <p:spPr/>
-        <p:txBody>
-          <a:bodyPr/>
-          <a:lstStyle/>
-          <a:p>
-            <a:pPr lvl="0"/>
-            <a:r>
-              <a:rPr/>
-              <a:t>Published by Transport Scotland in 2017 and 2019 by datazone</a:t>
-            </a:r>
-          </a:p>
-          <a:p>
-            <a:pPr lvl="0"/>
-            <a:r>
-              <a:rPr/>
-              <a:t>Derived from numbers of buses per hour serving the datazone, ajusted to emphasise peak periods</a:t>
-            </a:r>
-          </a:p>
-          <a:p>
-            <a:pPr lvl="0"/>
-            <a:r>
-              <a:rPr/>
-              <a:t>No update in 2021 due to COVID-19 pandemic and no updates currently foreseen</a:t>
-            </a:r>
-          </a:p>
-          <a:p>
-            <a:pPr lvl="0"/>
-            <a:r>
-              <a:rPr/>
-              <a:t>Plotting Change between 2017 and 2019, it is clear why they have stopped publishing the data!</a:t>
+              <a:t>Strathclyde Partnership for Transport Area</a:t>
             </a:r>
           </a:p>
         </p:txBody>
@@ -3377,53 +3327,6 @@
 </file>
 
 <file path=ppt/slides/slide4.xml><?xml version="1.0" encoding="utf-8"?>
-<p:sld xmlns:a="http://schemas.openxmlformats.org/drawingml/2006/main" xmlns:r="http://schemas.openxmlformats.org/officeDocument/2006/relationships" xmlns:p="http://schemas.openxmlformats.org/presentationml/2006/main">
-  <p:cSld>
-    <p:spTree>
-      <p:nvGrpSpPr>
-        <p:cNvPr id="1" name=""/>
-        <p:cNvGrpSpPr/>
-        <p:nvPr/>
-      </p:nvGrpSpPr>
-      <p:grpSpPr>
-        <a:xfrm>
-          <a:off x="0" y="0"/>
-          <a:ext cx="0" cy="0"/>
-          <a:chOff x="0" y="0"/>
-          <a:chExt cx="0" cy="0"/>
-        </a:xfrm>
-      </p:grpSpPr>
-      <p:sp>
-        <p:nvSpPr>
-          <p:cNvPr id="2" name="Title 1"/>
-          <p:cNvSpPr>
-            <a:spLocks noGrp="1"/>
-          </p:cNvSpPr>
-          <p:nvPr>
-            <p:ph type="title"/>
-          </p:nvPr>
-        </p:nvSpPr>
-        <p:spPr/>
-        <p:txBody>
-          <a:bodyPr/>
-          <a:lstStyle/>
-          <a:p>
-            <a:pPr lvl="0" indent="0" marL="0">
-              <a:buNone/>
-            </a:pPr>
-            <a:r>
-              <a:rPr/>
-              <a:t>Strathclyde Partnership for Transport Area</a:t>
-            </a:r>
-          </a:p>
-        </p:txBody>
-      </p:sp>
-    </p:spTree>
-  </p:cSld>
-</p:sld>
-</file>
-
-<file path=ppt/slides/slide5.xml><?xml version="1.0" encoding="utf-8"?>
 <p:sld xmlns:a="http://schemas.openxmlformats.org/drawingml/2006/main" xmlns:r="http://schemas.openxmlformats.org/officeDocument/2006/relationships" xmlns:p="http://schemas.openxmlformats.org/presentationml/2006/main">
   <p:cSld>
     <p:spTree>
@@ -3475,7 +3378,7 @@
 </p:sld>
 </file>
 
-<file path=ppt/slides/slide6.xml><?xml version="1.0" encoding="utf-8"?>
+<file path=ppt/slides/slide5.xml><?xml version="1.0" encoding="utf-8"?>
 <p:sld xmlns:a="http://schemas.openxmlformats.org/drawingml/2006/main" xmlns:r="http://schemas.openxmlformats.org/officeDocument/2006/relationships" xmlns:p="http://schemas.openxmlformats.org/presentationml/2006/main">
   <p:cSld>
     <p:spTree>
@@ -3531,7 +3434,7 @@
 </p:sld>
 </file>
 
-<file path=ppt/slides/slide7.xml><?xml version="1.0" encoding="utf-8"?>
+<file path=ppt/slides/slide6.xml><?xml version="1.0" encoding="utf-8"?>
 <p:sld xmlns:a="http://schemas.openxmlformats.org/drawingml/2006/main" xmlns:r="http://schemas.openxmlformats.org/officeDocument/2006/relationships" xmlns:p="http://schemas.openxmlformats.org/presentationml/2006/main">
   <p:cSld>
     <p:spTree>
@@ -3637,7 +3540,7 @@
 </p:sld>
 </file>
 
-<file path=ppt/slides/slide8.xml><?xml version="1.0" encoding="utf-8"?>
+<file path=ppt/slides/slide7.xml><?xml version="1.0" encoding="utf-8"?>
 <p:sld xmlns:a="http://schemas.openxmlformats.org/drawingml/2006/main" xmlns:r="http://schemas.openxmlformats.org/officeDocument/2006/relationships" xmlns:p="http://schemas.openxmlformats.org/presentationml/2006/main">
   <p:cSld>
     <p:spTree>

--- a/slides.pptx
+++ b/slides.pptx
@@ -12,6 +12,7 @@
     <p:sldId id="260" r:id="rId6"/>
     <p:sldId id="261" r:id="rId7"/>
     <p:sldId id="262" r:id="rId8"/>
+    <p:sldId id="263" r:id="rId9"/>
   </p:sldIdLst>
   <p:sldSz cx="9144000" cy="5143500" type="screen16x9"/>
   <p:notesSz cx="6858000" cy="9144000"/>
@@ -3461,12 +3462,7 @@
             <p:ph type="title"/>
           </p:nvPr>
         </p:nvSpPr>
-        <p:spPr>
-          <a:xfrm>
-            <a:off x="457201" y="204787"/>
-            <a:ext cx="3008313" cy="871538"/>
-          </a:xfrm>
-        </p:spPr>
+        <p:spPr/>
         <p:txBody>
           <a:bodyPr/>
           <a:lstStyle/>
@@ -3478,30 +3474,6 @@
               <a:rPr/>
               <a:t>Glasgow City Council Area</a:t>
             </a:r>
-          </a:p>
-        </p:txBody>
-      </p:sp>
-      <p:sp>
-        <p:nvSpPr>
-          <p:cNvPr id="4" name="Text Placeholder 3"/>
-          <p:cNvSpPr>
-            <a:spLocks noGrp="1"/>
-          </p:cNvSpPr>
-          <p:nvPr>
-            <p:ph idx="2" sz="half" type="body"/>
-          </p:nvPr>
-        </p:nvSpPr>
-        <p:spPr/>
-        <p:txBody>
-          <a:bodyPr/>
-          <a:lstStyle/>
-          <a:p>
-            <a:pPr lvl="0" indent="0" marL="0">
-              <a:spcBef>
-                <a:spcPts val="3000"/>
-              </a:spcBef>
-              <a:buNone/>
-            </a:pPr>
           </a:p>
         </p:txBody>
       </p:sp>
@@ -3521,8 +3493,8 @@
         </p:blipFill>
         <p:spPr bwMode="auto">
           <a:xfrm>
-            <a:off x="3568700" y="685800"/>
-            <a:ext cx="5105400" cy="3403600"/>
+            <a:off x="2032000" y="1193800"/>
+            <a:ext cx="5080000" cy="3390900"/>
           </a:xfrm>
           <a:prstGeom prst="rect">
             <a:avLst/>
@@ -3577,7 +3549,7 @@
             </a:pPr>
             <a:r>
               <a:rPr/>
-              <a:t>  Even worse news in Glasgow if you’re in the more deprived areas!</a:t>
+              <a:t> # {.absolute top=“170” left=“30” width=“400” height=“400”}  # {.absolute top=“500” left=“450” width=“400” height=“400”} Even worse news in Glasgow if you’re in the more deprived areas!</a:t>
             </a:r>
           </a:p>
           <a:p>
@@ -3639,6 +3611,53 @@
           </a:ln>
         </p:spPr>
       </p:pic>
+    </p:spTree>
+  </p:cSld>
+</p:sld>
+</file>
+
+<file path=ppt/slides/slide8.xml><?xml version="1.0" encoding="utf-8"?>
+<p:sld xmlns:a="http://schemas.openxmlformats.org/drawingml/2006/main" xmlns:r="http://schemas.openxmlformats.org/officeDocument/2006/relationships" xmlns:p="http://schemas.openxmlformats.org/presentationml/2006/main">
+  <p:cSld>
+    <p:spTree>
+      <p:nvGrpSpPr>
+        <p:cNvPr id="1" name=""/>
+        <p:cNvGrpSpPr/>
+        <p:nvPr/>
+      </p:nvGrpSpPr>
+      <p:grpSpPr>
+        <a:xfrm>
+          <a:off x="0" y="0"/>
+          <a:ext cx="0" cy="0"/>
+          <a:chOff x="0" y="0"/>
+          <a:chExt cx="0" cy="0"/>
+        </a:xfrm>
+      </p:grpSpPr>
+      <p:sp>
+        <p:nvSpPr>
+          <p:cNvPr id="3" name="Content Placeholder 2"/>
+          <p:cNvSpPr>
+            <a:spLocks noGrp="1"/>
+          </p:cNvSpPr>
+          <p:nvPr>
+            <p:ph idx="1"/>
+          </p:nvPr>
+        </p:nvSpPr>
+        <p:spPr/>
+        <p:txBody>
+          <a:bodyPr/>
+          <a:lstStyle/>
+          <a:p>
+            <a:pPr lvl="0" indent="0" marL="0">
+              <a:buNone/>
+            </a:pPr>
+            <a:r>
+              <a:rPr/>
+              <a:t># {.absolute top=“170” left=“30” width=“400” height=“400”} # {.absolute top=“500” left=“450” width=“400” height=“400”}</a:t>
+            </a:r>
+          </a:p>
+        </p:txBody>
+      </p:sp>
     </p:spTree>
   </p:cSld>
 </p:sld>

--- a/slides.pptx
+++ b/slides.pptx
@@ -3322,6 +3322,36 @@
           </a:p>
         </p:txBody>
       </p:sp>
+      <p:pic>
+        <p:nvPicPr>
+          <p:cNvPr descr="Bus_Access_SPT.jpeg" id="0" name="Picture 1"/>
+          <p:cNvPicPr>
+            <a:picLocks noGrp="1" noChangeAspect="1"/>
+          </p:cNvPicPr>
+          <p:nvPr/>
+        </p:nvPicPr>
+        <p:blipFill>
+          <a:blip r:embed="rId2"/>
+          <a:stretch>
+            <a:fillRect/>
+          </a:stretch>
+        </p:blipFill>
+        <p:spPr bwMode="auto">
+          <a:xfrm>
+            <a:off x="2032000" y="1193800"/>
+            <a:ext cx="5080000" cy="3390900"/>
+          </a:xfrm>
+          <a:prstGeom prst="rect">
+            <a:avLst/>
+          </a:prstGeom>
+          <a:noFill/>
+          <a:ln w="9525">
+            <a:noFill/>
+            <a:headEnd/>
+            <a:tailEnd/>
+          </a:ln>
+        </p:spPr>
+      </p:pic>
     </p:spTree>
   </p:cSld>
 </p:sld>
@@ -3346,7 +3376,7 @@
       </p:grpSpPr>
       <p:pic>
         <p:nvPicPr>
-          <p:cNvPr descr="Bus_Access_SPT.jpeg" id="0" name="Picture 1"/>
+          <p:cNvPr descr="Bus_Access_SIMD_SPT.jpeg" id="0" name="Picture 1"/>
           <p:cNvPicPr>
             <a:picLocks noGrp="1" noChangeAspect="1"/>
           </p:cNvPicPr>
@@ -3416,16 +3446,7 @@
             </a:pPr>
             <a:r>
               <a:rPr/>
-              <a:t> </a:t>
-            </a:r>
-          </a:p>
-          <a:p>
-            <a:pPr lvl="0" indent="0" marL="0">
-              <a:buNone/>
-            </a:pPr>
-            <a:r>
-              <a:rPr/>
-              <a:t>Bad news if you’re in the most deprived quintile</a:t>
+              <a:t>Not good news if you live in Glasgow!</a:t>
             </a:r>
           </a:p>
         </p:txBody>

--- a/slides.pptx
+++ b/slides.pptx
@@ -13,6 +13,7 @@
     <p:sldId id="261" r:id="rId7"/>
     <p:sldId id="262" r:id="rId8"/>
     <p:sldId id="263" r:id="rId9"/>
+    <p:sldId id="264" r:id="rId10"/>
   </p:sldIdLst>
   <p:sldSz cx="9144000" cy="5143500" type="screen16x9"/>
   <p:notesSz cx="6858000" cy="9144000"/>
@@ -3550,6 +3551,58 @@
           <a:chExt cx="0" cy="0"/>
         </a:xfrm>
       </p:grpSpPr>
+      <p:pic>
+        <p:nvPicPr>
+          <p:cNvPr descr="Bus_Access_SIMD_GCC.jpeg" id="0" name="Picture 1"/>
+          <p:cNvPicPr>
+            <a:picLocks noGrp="1" noChangeAspect="1"/>
+          </p:cNvPicPr>
+          <p:nvPr/>
+        </p:nvPicPr>
+        <p:blipFill>
+          <a:blip r:embed="rId2"/>
+          <a:stretch>
+            <a:fillRect/>
+          </a:stretch>
+        </p:blipFill>
+        <p:spPr bwMode="auto">
+          <a:xfrm>
+            <a:off x="2032000" y="1193800"/>
+            <a:ext cx="5080000" cy="3390900"/>
+          </a:xfrm>
+          <a:prstGeom prst="rect">
+            <a:avLst/>
+          </a:prstGeom>
+          <a:noFill/>
+          <a:ln w="9525">
+            <a:noFill/>
+            <a:headEnd/>
+            <a:tailEnd/>
+          </a:ln>
+        </p:spPr>
+      </p:pic>
+    </p:spTree>
+  </p:cSld>
+</p:sld>
+</file>
+
+<file path=ppt/slides/slide8.xml><?xml version="1.0" encoding="utf-8"?>
+<p:sld xmlns:a="http://schemas.openxmlformats.org/drawingml/2006/main" xmlns:r="http://schemas.openxmlformats.org/officeDocument/2006/relationships" xmlns:p="http://schemas.openxmlformats.org/presentationml/2006/main">
+  <p:cSld>
+    <p:spTree>
+      <p:nvGrpSpPr>
+        <p:cNvPr id="1" name=""/>
+        <p:cNvGrpSpPr/>
+        <p:nvPr/>
+      </p:nvGrpSpPr>
+      <p:grpSpPr>
+        <a:xfrm>
+          <a:off x="0" y="0"/>
+          <a:ext cx="0" cy="0"/>
+          <a:chOff x="0" y="0"/>
+          <a:chExt cx="0" cy="0"/>
+        </a:xfrm>
+      </p:grpSpPr>
       <p:sp>
         <p:nvSpPr>
           <p:cNvPr id="4" name="Text Placeholder 3"/>
@@ -3570,7 +3623,7 @@
             </a:pPr>
             <a:r>
               <a:rPr/>
-              <a:t> # {.absolute top=“170” left=“30” width=“400” height=“400”}  # {.absolute top=“500” left=“450” width=“400” height=“400”} Even worse news in Glasgow if you’re in the more deprived areas!</a:t>
+              <a:t> Even worse news in Glasgow if you’re in the more deprived areas!</a:t>
             </a:r>
           </a:p>
           <a:p>
@@ -3637,7 +3690,7 @@
 </p:sld>
 </file>
 
-<file path=ppt/slides/slide8.xml><?xml version="1.0" encoding="utf-8"?>
+<file path=ppt/slides/slide9.xml><?xml version="1.0" encoding="utf-8"?>
 <p:sld xmlns:a="http://schemas.openxmlformats.org/drawingml/2006/main" xmlns:r="http://schemas.openxmlformats.org/officeDocument/2006/relationships" xmlns:p="http://schemas.openxmlformats.org/presentationml/2006/main">
   <p:cSld>
     <p:spTree>
@@ -3654,31 +3707,36 @@
           <a:chExt cx="0" cy="0"/>
         </a:xfrm>
       </p:grpSpPr>
-      <p:sp>
-        <p:nvSpPr>
-          <p:cNvPr id="3" name="Content Placeholder 2"/>
-          <p:cNvSpPr>
-            <a:spLocks noGrp="1"/>
-          </p:cNvSpPr>
-          <p:nvPr>
-            <p:ph idx="1"/>
-          </p:nvPr>
-        </p:nvSpPr>
-        <p:spPr/>
-        <p:txBody>
-          <a:bodyPr/>
-          <a:lstStyle/>
-          <a:p>
-            <a:pPr lvl="0" indent="0" marL="0">
-              <a:buNone/>
-            </a:pPr>
-            <a:r>
-              <a:rPr/>
-              <a:t># {.absolute top=“170” left=“30” width=“400” height=“400”} # {.absolute top=“500” left=“450” width=“400” height=“400”}</a:t>
-            </a:r>
-          </a:p>
-        </p:txBody>
-      </p:sp>
+      <p:pic>
+        <p:nvPicPr>
+          <p:cNvPr descr="Bus_Access_SIMD_GCC_local.jpeg" id="0" name="Picture 1"/>
+          <p:cNvPicPr>
+            <a:picLocks noGrp="1" noChangeAspect="1"/>
+          </p:cNvPicPr>
+          <p:nvPr/>
+        </p:nvPicPr>
+        <p:blipFill>
+          <a:blip r:embed="rId2"/>
+          <a:stretch>
+            <a:fillRect/>
+          </a:stretch>
+        </p:blipFill>
+        <p:spPr bwMode="auto">
+          <a:xfrm>
+            <a:off x="2032000" y="1193800"/>
+            <a:ext cx="5080000" cy="3390900"/>
+          </a:xfrm>
+          <a:prstGeom prst="rect">
+            <a:avLst/>
+          </a:prstGeom>
+          <a:noFill/>
+          <a:ln w="9525">
+            <a:noFill/>
+            <a:headEnd/>
+            <a:tailEnd/>
+          </a:ln>
+        </p:spPr>
+      </p:pic>
     </p:spTree>
   </p:cSld>
 </p:sld>

--- a/slides.pptx
+++ b/slides.pptx
@@ -13,7 +13,6 @@
     <p:sldId id="261" r:id="rId7"/>
     <p:sldId id="262" r:id="rId8"/>
     <p:sldId id="263" r:id="rId9"/>
-    <p:sldId id="264" r:id="rId10"/>
   </p:sldIdLst>
   <p:sldSz cx="9144000" cy="5143500" type="screen16x9"/>
   <p:notesSz cx="6858000" cy="9144000"/>
@@ -3375,6 +3374,31 @@
           <a:chExt cx="0" cy="0"/>
         </a:xfrm>
       </p:grpSpPr>
+      <p:sp>
+        <p:nvSpPr>
+          <p:cNvPr id="4" name="Text Placeholder 3"/>
+          <p:cNvSpPr>
+            <a:spLocks noGrp="1"/>
+          </p:cNvSpPr>
+          <p:nvPr>
+            <p:ph idx="2" sz="half" type="body"/>
+          </p:nvPr>
+        </p:nvSpPr>
+        <p:spPr/>
+        <p:txBody>
+          <a:bodyPr/>
+          <a:lstStyle/>
+          <a:p>
+            <a:pPr lvl="0" indent="0" marL="0">
+              <a:buNone/>
+            </a:pPr>
+            <a:r>
+              <a:rPr/>
+              <a:t> A good majority of the countryside has the same bus accessibility. But the populated areas have reduced access. Not good news if you live in Glasgow!</a:t>
+            </a:r>
+          </a:p>
+        </p:txBody>
+      </p:sp>
       <p:pic>
         <p:nvPicPr>
           <p:cNvPr descr="Bus_Access_SIMD_SPT.jpeg" id="0" name="Picture 1"/>
@@ -3391,8 +3415,8 @@
         </p:blipFill>
         <p:spPr bwMode="auto">
           <a:xfrm>
-            <a:off x="2032000" y="1193800"/>
-            <a:ext cx="5080000" cy="3390900"/>
+            <a:off x="3568700" y="685800"/>
+            <a:ext cx="5105400" cy="3403600"/>
           </a:xfrm>
           <a:prstGeom prst="rect">
             <a:avLst/>
@@ -3447,7 +3471,7 @@
             </a:pPr>
             <a:r>
               <a:rPr/>
-              <a:t>Not good news if you live in Glasgow!</a:t>
+              <a:t> SIMD quintiles are set at the national level, and West of Scotland has more highly deprived areas than it should.</a:t>
             </a:r>
           </a:p>
         </p:txBody>
@@ -3605,12 +3629,12 @@
       </p:grpSpPr>
       <p:sp>
         <p:nvSpPr>
-          <p:cNvPr id="4" name="Text Placeholder 3"/>
-          <p:cNvSpPr>
-            <a:spLocks noGrp="1"/>
-          </p:cNvSpPr>
-          <p:nvPr>
-            <p:ph idx="2" sz="half" type="body"/>
+          <p:cNvPr id="3" name="Content Placeholder 2"/>
+          <p:cNvSpPr>
+            <a:spLocks noGrp="1"/>
+          </p:cNvSpPr>
+          <p:nvPr>
+            <p:ph idx="1"/>
           </p:nvPr>
         </p:nvSpPr>
         <p:spPr/>
@@ -3650,93 +3674,11 @@
             </a:pPr>
             <a:r>
               <a:rPr/>
-              <a:t>The SIMD includes a ranking of the Datazones across Scotland. We can use that to calculate quintiles of deprivation within each area.</a:t>
-            </a:r>
-          </a:p>
-        </p:txBody>
-      </p:sp>
-      <p:pic>
-        <p:nvPicPr>
-          <p:cNvPr descr="Bus_Access_SIMD_SPT_local.jpeg" id="0" name="Picture 1"/>
-          <p:cNvPicPr>
-            <a:picLocks noGrp="1" noChangeAspect="1"/>
-          </p:cNvPicPr>
-          <p:nvPr/>
-        </p:nvPicPr>
-        <p:blipFill>
-          <a:blip r:embed="rId2"/>
-          <a:stretch>
-            <a:fillRect/>
-          </a:stretch>
-        </p:blipFill>
-        <p:spPr bwMode="auto">
-          <a:xfrm>
-            <a:off x="3568700" y="685800"/>
-            <a:ext cx="5105400" cy="3403600"/>
-          </a:xfrm>
-          <a:prstGeom prst="rect">
-            <a:avLst/>
-          </a:prstGeom>
-          <a:noFill/>
-          <a:ln w="9525">
-            <a:noFill/>
-            <a:headEnd/>
-            <a:tailEnd/>
-          </a:ln>
-        </p:spPr>
-      </p:pic>
-    </p:spTree>
-  </p:cSld>
-</p:sld>
-</file>
-
-<file path=ppt/slides/slide9.xml><?xml version="1.0" encoding="utf-8"?>
-<p:sld xmlns:a="http://schemas.openxmlformats.org/drawingml/2006/main" xmlns:r="http://schemas.openxmlformats.org/officeDocument/2006/relationships" xmlns:p="http://schemas.openxmlformats.org/presentationml/2006/main">
-  <p:cSld>
-    <p:spTree>
-      <p:nvGrpSpPr>
-        <p:cNvPr id="1" name=""/>
-        <p:cNvGrpSpPr/>
-        <p:nvPr/>
-      </p:nvGrpSpPr>
-      <p:grpSpPr>
-        <a:xfrm>
-          <a:off x="0" y="0"/>
-          <a:ext cx="0" cy="0"/>
-          <a:chOff x="0" y="0"/>
-          <a:chExt cx="0" cy="0"/>
-        </a:xfrm>
-      </p:grpSpPr>
-      <p:pic>
-        <p:nvPicPr>
-          <p:cNvPr descr="Bus_Access_SIMD_GCC_local.jpeg" id="0" name="Picture 1"/>
-          <p:cNvPicPr>
-            <a:picLocks noGrp="1" noChangeAspect="1"/>
-          </p:cNvPicPr>
-          <p:nvPr/>
-        </p:nvPicPr>
-        <p:blipFill>
-          <a:blip r:embed="rId2"/>
-          <a:stretch>
-            <a:fillRect/>
-          </a:stretch>
-        </p:blipFill>
-        <p:spPr bwMode="auto">
-          <a:xfrm>
-            <a:off x="2032000" y="1193800"/>
-            <a:ext cx="5080000" cy="3390900"/>
-          </a:xfrm>
-          <a:prstGeom prst="rect">
-            <a:avLst/>
-          </a:prstGeom>
-          <a:noFill/>
-          <a:ln w="9525">
-            <a:noFill/>
-            <a:headEnd/>
-            <a:tailEnd/>
-          </a:ln>
-        </p:spPr>
-      </p:pic>
+              <a:t>The SIMD includes a ranking of the Datazones across Scotland. We can use that to calculate quintiles of deprivation within each area. ## Locally derived deprivation quintiles  Across the West of Scotland, the reductions in bus accessibility are greater in areas of higher deprivation.  The same is not true in Glasgow, though a reduction of services to 33% of the population over 2 years is unsustainable.</a:t>
+            </a:r>
+          </a:p>
+        </p:txBody>
+      </p:sp>
     </p:spTree>
   </p:cSld>
 </p:sld>
